--- a/모바일_16.pptx
+++ b/모바일_16.pptx
@@ -141,7 +141,7 @@
   </p:defaultTextStyle>
   <p:extLst>
     <p:ext uri="{EFAFB233-063F-42B5-8137-9DF3F51BA10A}">
-      <p15:sldGuideLst xmlns:p15="http://schemas.microsoft.com/office/powerpoint/2012/main">
+      <p15:sldGuideLst xmlns:p15="http://schemas.microsoft.com/office/powerpoint/2012/main" xmlns="">
         <p15:guide id="1" orient="horz" pos="2160">
           <p15:clr>
             <a:srgbClr val="A4A3A4"/>
@@ -155,7 +155,7 @@
       </p15:sldGuideLst>
     </p:ext>
     <p:ext uri="{2D200454-40CA-4A62-9FC3-DE9A4176ACB9}">
-      <p15:notesGuideLst xmlns:p15="http://schemas.microsoft.com/office/powerpoint/2012/main"/>
+      <p15:notesGuideLst xmlns:p15="http://schemas.microsoft.com/office/powerpoint/2012/main" xmlns=""/>
     </p:ext>
   </p:extLst>
 </p:presentation>
@@ -251,7 +251,7 @@
           <a:p>
             <a:fld id="{DEDC508C-CC5F-4539-B857-10658B5980CA}" type="datetimeFigureOut">
               <a:rPr lang="ko-KR" altLang="en-US" smtClean="0"/>
-              <a:t>2018-05-18</a:t>
+              <a:t>2018-06-11</a:t>
             </a:fld>
             <a:endParaRPr lang="ko-KR" altLang="en-US"/>
           </a:p>
@@ -416,7 +416,7 @@
           <a:p>
             <a:fld id="{EF4C9EC8-2009-4890-843E-AC122F09E04A}" type="datetimeFigureOut">
               <a:rPr lang="ko-KR" altLang="en-US" smtClean="0"/>
-              <a:t>2018-05-18</a:t>
+              <a:t>2018-06-11</a:t>
             </a:fld>
             <a:endParaRPr lang="ko-KR" altLang="en-US"/>
           </a:p>
@@ -1000,14 +1000,14 @@
                 <a:gridCol w="4572000">
                   <a:extLst>
                     <a:ext uri="{9D8B030D-6E8A-4147-A177-3AD203B41FA5}">
-                      <a16:colId xmlns:a16="http://schemas.microsoft.com/office/drawing/2014/main" val="20000"/>
+                      <a16:colId xmlns:a16="http://schemas.microsoft.com/office/drawing/2014/main" xmlns="" val="20000"/>
                     </a:ext>
                   </a:extLst>
                 </a:gridCol>
                 <a:gridCol w="4572000">
                   <a:extLst>
                     <a:ext uri="{9D8B030D-6E8A-4147-A177-3AD203B41FA5}">
-                      <a16:colId xmlns:a16="http://schemas.microsoft.com/office/drawing/2014/main" val="20001"/>
+                      <a16:colId xmlns:a16="http://schemas.microsoft.com/office/drawing/2014/main" xmlns="" val="20001"/>
                     </a:ext>
                   </a:extLst>
                 </a:gridCol>
@@ -1085,7 +1085,7 @@
                 </a:tc>
                 <a:extLst>
                   <a:ext uri="{0D108BD9-81ED-4DB2-BD59-A6C34878D82A}">
-                    <a16:rowId xmlns:a16="http://schemas.microsoft.com/office/drawing/2014/main" val="10000"/>
+                    <a16:rowId xmlns:a16="http://schemas.microsoft.com/office/drawing/2014/main" xmlns="" val="10000"/>
                   </a:ext>
                 </a:extLst>
               </a:tr>
@@ -1484,7 +1484,7 @@
             <a:fld id="{ACDF6120-F1F0-4C60-9FE9-39AC71A9C79D}" type="datetimeFigureOut">
               <a:rPr lang="en-US" smtClean="0"/>
               <a:pPr eaLnBrk="1" latinLnBrk="0" hangingPunct="1"/>
-              <a:t>5/18/2018</a:t>
+              <a:t>6/11/2018</a:t>
             </a:fld>
             <a:endParaRPr lang="en-US" sz="1600" dirty="0"/>
           </a:p>
@@ -1859,7 +1859,7 @@
               <a:pPr>
                 <a:defRPr/>
               </a:pPr>
-              <a:t>2018-05-18</a:t>
+              <a:t>2018-06-11</a:t>
             </a:fld>
             <a:endParaRPr lang="ko-KR" altLang="en-US"/>
           </a:p>
@@ -2143,7 +2143,7 @@
               <a:pPr>
                 <a:defRPr/>
               </a:pPr>
-              <a:t>2018-05-18</a:t>
+              <a:t>2018-06-11</a:t>
             </a:fld>
             <a:endParaRPr lang="ko-KR" altLang="en-US"/>
           </a:p>
@@ -2378,7 +2378,7 @@
               <a:pPr>
                 <a:defRPr/>
               </a:pPr>
-              <a:t>2018-05-18</a:t>
+              <a:t>2018-06-11</a:t>
             </a:fld>
             <a:endParaRPr lang="ko-KR" altLang="en-US"/>
           </a:p>
@@ -2745,7 +2745,7 @@
               <a:pPr>
                 <a:defRPr/>
               </a:pPr>
-              <a:t>2018-05-18</a:t>
+              <a:t>2018-06-11</a:t>
             </a:fld>
             <a:endParaRPr lang="ko-KR" altLang="en-US"/>
           </a:p>
@@ -2988,7 +2988,7 @@
             <a:fld id="{ACDF6120-F1F0-4C60-9FE9-39AC71A9C79D}" type="datetimeFigureOut">
               <a:rPr lang="en-US" smtClean="0"/>
               <a:pPr eaLnBrk="1" latinLnBrk="0" hangingPunct="1"/>
-              <a:t>5/18/2018</a:t>
+              <a:t>6/11/2018</a:t>
             </a:fld>
             <a:endParaRPr lang="en-US"/>
           </a:p>
@@ -3177,14 +3177,14 @@
                 <a:gridCol w="4572000">
                   <a:extLst>
                     <a:ext uri="{9D8B030D-6E8A-4147-A177-3AD203B41FA5}">
-                      <a16:colId xmlns:a16="http://schemas.microsoft.com/office/drawing/2014/main" val="20000"/>
+                      <a16:colId xmlns:a16="http://schemas.microsoft.com/office/drawing/2014/main" xmlns="" val="20000"/>
                     </a:ext>
                   </a:extLst>
                 </a:gridCol>
                 <a:gridCol w="4572000">
                   <a:extLst>
                     <a:ext uri="{9D8B030D-6E8A-4147-A177-3AD203B41FA5}">
-                      <a16:colId xmlns:a16="http://schemas.microsoft.com/office/drawing/2014/main" val="20001"/>
+                      <a16:colId xmlns:a16="http://schemas.microsoft.com/office/drawing/2014/main" xmlns="" val="20001"/>
                     </a:ext>
                   </a:extLst>
                 </a:gridCol>
@@ -3262,7 +3262,7 @@
                 </a:tc>
                 <a:extLst>
                   <a:ext uri="{0D108BD9-81ED-4DB2-BD59-A6C34878D82A}">
-                    <a16:rowId xmlns:a16="http://schemas.microsoft.com/office/drawing/2014/main" val="10000"/>
+                    <a16:rowId xmlns:a16="http://schemas.microsoft.com/office/drawing/2014/main" xmlns="" val="10000"/>
                   </a:ext>
                 </a:extLst>
               </a:tr>
@@ -3318,7 +3318,7 @@
               <a:pPr>
                 <a:defRPr/>
               </a:pPr>
-              <a:t>2018-05-18</a:t>
+              <a:t>2018-06-11</a:t>
             </a:fld>
             <a:endParaRPr lang="ko-KR" altLang="en-US"/>
           </a:p>
@@ -3610,7 +3610,7 @@
               <a:pPr>
                 <a:defRPr/>
               </a:pPr>
-              <a:t>2018-05-18</a:t>
+              <a:t>2018-06-11</a:t>
             </a:fld>
             <a:endParaRPr lang="ko-KR" altLang="en-US"/>
           </a:p>
@@ -4032,7 +4032,7 @@
               <a:pPr>
                 <a:defRPr/>
               </a:pPr>
-              <a:t>2018-05-18</a:t>
+              <a:t>2018-06-11</a:t>
             </a:fld>
             <a:endParaRPr lang="ko-KR" altLang="en-US"/>
           </a:p>
@@ -4344,7 +4344,7 @@
               <a:pPr>
                 <a:defRPr/>
               </a:pPr>
-              <a:t>2018-05-18</a:t>
+              <a:t>2018-06-11</a:t>
             </a:fld>
             <a:endParaRPr lang="ko-KR" altLang="en-US"/>
           </a:p>
@@ -4455,14 +4455,14 @@
                 <a:gridCol w="4572000">
                   <a:extLst>
                     <a:ext uri="{9D8B030D-6E8A-4147-A177-3AD203B41FA5}">
-                      <a16:colId xmlns:a16="http://schemas.microsoft.com/office/drawing/2014/main" val="20000"/>
+                      <a16:colId xmlns:a16="http://schemas.microsoft.com/office/drawing/2014/main" xmlns="" val="20000"/>
                     </a:ext>
                   </a:extLst>
                 </a:gridCol>
                 <a:gridCol w="4572000">
                   <a:extLst>
                     <a:ext uri="{9D8B030D-6E8A-4147-A177-3AD203B41FA5}">
-                      <a16:colId xmlns:a16="http://schemas.microsoft.com/office/drawing/2014/main" val="20001"/>
+                      <a16:colId xmlns:a16="http://schemas.microsoft.com/office/drawing/2014/main" xmlns="" val="20001"/>
                     </a:ext>
                   </a:extLst>
                 </a:gridCol>
@@ -4540,7 +4540,7 @@
                 </a:tc>
                 <a:extLst>
                   <a:ext uri="{0D108BD9-81ED-4DB2-BD59-A6C34878D82A}">
-                    <a16:rowId xmlns:a16="http://schemas.microsoft.com/office/drawing/2014/main" val="10000"/>
+                    <a16:rowId xmlns:a16="http://schemas.microsoft.com/office/drawing/2014/main" xmlns="" val="10000"/>
                   </a:ext>
                 </a:extLst>
               </a:tr>
@@ -4923,7 +4923,7 @@
               <a:pPr>
                 <a:defRPr/>
               </a:pPr>
-              <a:t>2018-05-18</a:t>
+              <a:t>2018-06-11</a:t>
             </a:fld>
             <a:endParaRPr lang="ko-KR" altLang="en-US"/>
           </a:p>
@@ -5305,14 +5305,14 @@
                 <a:gridCol w="4572000">
                   <a:extLst>
                     <a:ext uri="{9D8B030D-6E8A-4147-A177-3AD203B41FA5}">
-                      <a16:colId xmlns:a16="http://schemas.microsoft.com/office/drawing/2014/main" val="20000"/>
+                      <a16:colId xmlns:a16="http://schemas.microsoft.com/office/drawing/2014/main" xmlns="" val="20000"/>
                     </a:ext>
                   </a:extLst>
                 </a:gridCol>
                 <a:gridCol w="4572000">
                   <a:extLst>
                     <a:ext uri="{9D8B030D-6E8A-4147-A177-3AD203B41FA5}">
-                      <a16:colId xmlns:a16="http://schemas.microsoft.com/office/drawing/2014/main" val="20001"/>
+                      <a16:colId xmlns:a16="http://schemas.microsoft.com/office/drawing/2014/main" xmlns="" val="20001"/>
                     </a:ext>
                   </a:extLst>
                 </a:gridCol>
@@ -5390,7 +5390,7 @@
                 </a:tc>
                 <a:extLst>
                   <a:ext uri="{0D108BD9-81ED-4DB2-BD59-A6C34878D82A}">
-                    <a16:rowId xmlns:a16="http://schemas.microsoft.com/office/drawing/2014/main" val="10000"/>
+                    <a16:rowId xmlns:a16="http://schemas.microsoft.com/office/drawing/2014/main" xmlns="" val="10000"/>
                   </a:ext>
                 </a:extLst>
               </a:tr>
@@ -5695,14 +5695,14 @@
                 <a:gridCol w="4572000">
                   <a:extLst>
                     <a:ext uri="{9D8B030D-6E8A-4147-A177-3AD203B41FA5}">
-                      <a16:colId xmlns:a16="http://schemas.microsoft.com/office/drawing/2014/main" val="20000"/>
+                      <a16:colId xmlns:a16="http://schemas.microsoft.com/office/drawing/2014/main" xmlns="" val="20000"/>
                     </a:ext>
                   </a:extLst>
                 </a:gridCol>
                 <a:gridCol w="4572000">
                   <a:extLst>
                     <a:ext uri="{9D8B030D-6E8A-4147-A177-3AD203B41FA5}">
-                      <a16:colId xmlns:a16="http://schemas.microsoft.com/office/drawing/2014/main" val="20001"/>
+                      <a16:colId xmlns:a16="http://schemas.microsoft.com/office/drawing/2014/main" xmlns="" val="20001"/>
                     </a:ext>
                   </a:extLst>
                 </a:gridCol>
@@ -5780,7 +5780,7 @@
                 </a:tc>
                 <a:extLst>
                   <a:ext uri="{0D108BD9-81ED-4DB2-BD59-A6C34878D82A}">
-                    <a16:rowId xmlns:a16="http://schemas.microsoft.com/office/drawing/2014/main" val="10000"/>
+                    <a16:rowId xmlns:a16="http://schemas.microsoft.com/office/drawing/2014/main" xmlns="" val="10000"/>
                   </a:ext>
                 </a:extLst>
               </a:tr>
@@ -6937,14 +6937,14 @@
                 <a:gridCol w="4572000">
                   <a:extLst>
                     <a:ext uri="{9D8B030D-6E8A-4147-A177-3AD203B41FA5}">
-                      <a16:colId xmlns:a16="http://schemas.microsoft.com/office/drawing/2014/main" val="20000"/>
+                      <a16:colId xmlns:a16="http://schemas.microsoft.com/office/drawing/2014/main" xmlns="" val="20000"/>
                     </a:ext>
                   </a:extLst>
                 </a:gridCol>
                 <a:gridCol w="4572000">
                   <a:extLst>
                     <a:ext uri="{9D8B030D-6E8A-4147-A177-3AD203B41FA5}">
-                      <a16:colId xmlns:a16="http://schemas.microsoft.com/office/drawing/2014/main" val="20001"/>
+                      <a16:colId xmlns:a16="http://schemas.microsoft.com/office/drawing/2014/main" xmlns="" val="20001"/>
                     </a:ext>
                   </a:extLst>
                 </a:gridCol>
@@ -7022,7 +7022,7 @@
                 </a:tc>
                 <a:extLst>
                   <a:ext uri="{0D108BD9-81ED-4DB2-BD59-A6C34878D82A}">
-                    <a16:rowId xmlns:a16="http://schemas.microsoft.com/office/drawing/2014/main" val="10000"/>
+                    <a16:rowId xmlns:a16="http://schemas.microsoft.com/office/drawing/2014/main" xmlns="" val="10000"/>
                   </a:ext>
                 </a:extLst>
               </a:tr>
@@ -7245,14 +7245,14 @@
                 <a:gridCol w="4572000">
                   <a:extLst>
                     <a:ext uri="{9D8B030D-6E8A-4147-A177-3AD203B41FA5}">
-                      <a16:colId xmlns:a16="http://schemas.microsoft.com/office/drawing/2014/main" val="20000"/>
+                      <a16:colId xmlns:a16="http://schemas.microsoft.com/office/drawing/2014/main" xmlns="" val="20000"/>
                     </a:ext>
                   </a:extLst>
                 </a:gridCol>
                 <a:gridCol w="4572000">
                   <a:extLst>
                     <a:ext uri="{9D8B030D-6E8A-4147-A177-3AD203B41FA5}">
-                      <a16:colId xmlns:a16="http://schemas.microsoft.com/office/drawing/2014/main" val="20001"/>
+                      <a16:colId xmlns:a16="http://schemas.microsoft.com/office/drawing/2014/main" xmlns="" val="20001"/>
                     </a:ext>
                   </a:extLst>
                 </a:gridCol>
@@ -7330,7 +7330,7 @@
                 </a:tc>
                 <a:extLst>
                   <a:ext uri="{0D108BD9-81ED-4DB2-BD59-A6C34878D82A}">
-                    <a16:rowId xmlns:a16="http://schemas.microsoft.com/office/drawing/2014/main" val="10000"/>
+                    <a16:rowId xmlns:a16="http://schemas.microsoft.com/office/drawing/2014/main" xmlns="" val="10000"/>
                   </a:ext>
                 </a:extLst>
               </a:tr>
@@ -7635,14 +7635,14 @@
                 <a:gridCol w="4572000">
                   <a:extLst>
                     <a:ext uri="{9D8B030D-6E8A-4147-A177-3AD203B41FA5}">
-                      <a16:colId xmlns:a16="http://schemas.microsoft.com/office/drawing/2014/main" val="20000"/>
+                      <a16:colId xmlns:a16="http://schemas.microsoft.com/office/drawing/2014/main" xmlns="" val="20000"/>
                     </a:ext>
                   </a:extLst>
                 </a:gridCol>
                 <a:gridCol w="4572000">
                   <a:extLst>
                     <a:ext uri="{9D8B030D-6E8A-4147-A177-3AD203B41FA5}">
-                      <a16:colId xmlns:a16="http://schemas.microsoft.com/office/drawing/2014/main" val="20001"/>
+                      <a16:colId xmlns:a16="http://schemas.microsoft.com/office/drawing/2014/main" xmlns="" val="20001"/>
                     </a:ext>
                   </a:extLst>
                 </a:gridCol>
@@ -7720,7 +7720,7 @@
                 </a:tc>
                 <a:extLst>
                   <a:ext uri="{0D108BD9-81ED-4DB2-BD59-A6C34878D82A}">
-                    <a16:rowId xmlns:a16="http://schemas.microsoft.com/office/drawing/2014/main" val="10000"/>
+                    <a16:rowId xmlns:a16="http://schemas.microsoft.com/office/drawing/2014/main" xmlns="" val="10000"/>
                   </a:ext>
                 </a:extLst>
               </a:tr>
@@ -9358,7 +9358,7 @@
               <a:pPr>
                 <a:defRPr/>
               </a:pPr>
-              <a:t>2018-05-18</a:t>
+              <a:t>2018-06-11</a:t>
             </a:fld>
             <a:endParaRPr lang="ko-KR" altLang="en-US"/>
           </a:p>
@@ -10039,7 +10039,7 @@
               <a:pPr>
                 <a:defRPr/>
               </a:pPr>
-              <a:t>2018-05-18</a:t>
+              <a:t>2018-06-11</a:t>
             </a:fld>
             <a:endParaRPr lang="ko-KR" altLang="en-US"/>
           </a:p>
@@ -10804,8 +10804,8 @@
           </a:ln>
           <a:effectLst/>
           <a:extLst>
-            <a:ext uri="{AF507438-7753-43e0-B8FC-AC1667EBCBE1}">
-              <a14:hiddenEffects xmlns="" xmlns:a14="http://schemas.microsoft.com/office/drawing/2010/main">
+            <a:ext uri="{AF507438-7753-43E0-B8FC-AC1667EBCBE1}">
+              <a14:hiddenEffects xmlns:a14="http://schemas.microsoft.com/office/drawing/2010/main">
                 <a:effectLst>
                   <a:outerShdw dist="35921" dir="2700000" algn="ctr" rotWithShape="0">
                     <a:schemeClr val="bg2"/>
@@ -11265,11 +11265,7 @@
           <a:p>
             <a:r>
               <a:rPr lang="ko-KR" altLang="en-US" dirty="0" smtClean="0"/>
-              <a:t>파일 </a:t>
-            </a:r>
-            <a:r>
-              <a:rPr lang="ko-KR" altLang="en-US" dirty="0" smtClean="0"/>
-              <a:t>처리 기본 ▶</a:t>
+              <a:t>파일 처리 기본 ▶</a:t>
             </a:r>
             <a:r>
               <a:rPr lang="en-US" altLang="ko-KR" sz="2400" dirty="0" smtClean="0"/>
@@ -11512,11 +11508,7 @@
           <a:p>
             <a:r>
               <a:rPr lang="ko-KR" altLang="en-US" dirty="0" smtClean="0"/>
-              <a:t>파일 </a:t>
-            </a:r>
-            <a:r>
-              <a:rPr lang="ko-KR" altLang="en-US" dirty="0" smtClean="0"/>
-              <a:t>처리 기본 ▶</a:t>
+              <a:t>파일 처리 기본 ▶</a:t>
             </a:r>
             <a:r>
               <a:rPr lang="en-US" altLang="ko-KR" sz="2400" dirty="0" smtClean="0"/>
@@ -11744,11 +11736,7 @@
           <a:p>
             <a:r>
               <a:rPr lang="ko-KR" altLang="en-US" dirty="0" smtClean="0"/>
-              <a:t>파일 </a:t>
-            </a:r>
-            <a:r>
-              <a:rPr lang="ko-KR" altLang="en-US" dirty="0" smtClean="0"/>
-              <a:t>처리 기본 ▶</a:t>
+              <a:t>파일 처리 기본 ▶</a:t>
             </a:r>
             <a:r>
               <a:rPr lang="en-US" altLang="ko-KR" sz="2400" dirty="0" smtClean="0"/>
@@ -12079,11 +12067,7 @@
           <a:p>
             <a:r>
               <a:rPr lang="ko-KR" altLang="en-US" dirty="0" smtClean="0"/>
-              <a:t>파일 </a:t>
-            </a:r>
-            <a:r>
-              <a:rPr lang="ko-KR" altLang="en-US" dirty="0" smtClean="0"/>
-              <a:t>처리 응용</a:t>
+              <a:t>파일 처리 응용</a:t>
             </a:r>
             <a:endParaRPr lang="ko-KR" altLang="en-US" sz="2400" dirty="0" smtClean="0"/>
           </a:p>
@@ -12351,11 +12335,7 @@
           <a:p>
             <a:r>
               <a:rPr lang="ko-KR" altLang="en-US" dirty="0" smtClean="0"/>
-              <a:t>파일 </a:t>
-            </a:r>
-            <a:r>
-              <a:rPr lang="ko-KR" altLang="en-US" dirty="0" smtClean="0"/>
-              <a:t>처리 응용 ▶</a:t>
+              <a:t>파일 처리 응용 ▶</a:t>
             </a:r>
             <a:r>
               <a:rPr lang="en-US" altLang="ko-KR" sz="2400" dirty="0" smtClean="0"/>
@@ -12571,11 +12551,7 @@
           <a:p>
             <a:r>
               <a:rPr lang="ko-KR" altLang="en-US" dirty="0" smtClean="0"/>
-              <a:t>파일 </a:t>
-            </a:r>
-            <a:r>
-              <a:rPr lang="ko-KR" altLang="en-US" dirty="0" smtClean="0"/>
-              <a:t>처리 응용 ▶</a:t>
+              <a:t>파일 처리 응용 ▶</a:t>
             </a:r>
             <a:r>
               <a:rPr lang="en-US" altLang="ko-KR" sz="2400" dirty="0" smtClean="0"/>
@@ -12768,11 +12744,7 @@
           <a:p>
             <a:r>
               <a:rPr lang="ko-KR" altLang="en-US" dirty="0" smtClean="0"/>
-              <a:t>파일 </a:t>
-            </a:r>
-            <a:r>
-              <a:rPr lang="ko-KR" altLang="en-US" dirty="0" smtClean="0"/>
-              <a:t>처리 응용 ▶</a:t>
+              <a:t>파일 처리 응용 ▶</a:t>
             </a:r>
             <a:r>
               <a:rPr lang="en-US" altLang="ko-KR" sz="2400" dirty="0" smtClean="0"/>
@@ -13005,11 +12977,7 @@
           <a:p>
             <a:r>
               <a:rPr lang="ko-KR" altLang="en-US" dirty="0" smtClean="0"/>
-              <a:t>파일 </a:t>
-            </a:r>
-            <a:r>
-              <a:rPr lang="ko-KR" altLang="en-US" dirty="0" smtClean="0"/>
-              <a:t>처리 응용 ▶</a:t>
+              <a:t>파일 처리 응용 ▶</a:t>
             </a:r>
             <a:r>
               <a:rPr lang="en-US" altLang="ko-KR" sz="2400" dirty="0" smtClean="0"/>
@@ -13056,7 +13024,7 @@
         </p:blipFill>
         <p:spPr>
           <a:xfrm>
-            <a:off x="442097" y="2455993"/>
+            <a:off x="442097" y="2295220"/>
             <a:ext cx="7724775" cy="2522077"/>
           </a:xfrm>
           <a:prstGeom prst="rect">
@@ -13174,11 +13142,7 @@
           <a:p>
             <a:r>
               <a:rPr lang="ko-KR" altLang="en-US" dirty="0" smtClean="0"/>
-              <a:t>파일 </a:t>
-            </a:r>
-            <a:r>
-              <a:rPr lang="ko-KR" altLang="en-US" dirty="0" smtClean="0"/>
-              <a:t>처리 응용 ▶</a:t>
+              <a:t>파일 처리 응용 ▶</a:t>
             </a:r>
             <a:r>
               <a:rPr lang="en-US" altLang="ko-KR" sz="2400" dirty="0" smtClean="0"/>
@@ -13435,11 +13399,7 @@
           <a:p>
             <a:r>
               <a:rPr lang="ko-KR" altLang="en-US" dirty="0" smtClean="0"/>
-              <a:t>파일 </a:t>
-            </a:r>
-            <a:r>
-              <a:rPr lang="ko-KR" altLang="en-US" dirty="0" smtClean="0"/>
-              <a:t>처리 기본 ▶</a:t>
+              <a:t>파일 처리 기본 ▶</a:t>
             </a:r>
             <a:r>
               <a:rPr lang="ko-KR" altLang="en-US" sz="2400" dirty="0" smtClean="0"/>
@@ -13784,11 +13744,7 @@
           <a:p>
             <a:r>
               <a:rPr lang="ko-KR" altLang="en-US" dirty="0" smtClean="0"/>
-              <a:t>파일 </a:t>
-            </a:r>
-            <a:r>
-              <a:rPr lang="ko-KR" altLang="en-US" dirty="0" smtClean="0"/>
-              <a:t>처리 응용 ▶</a:t>
+              <a:t>파일 처리 응용 ▶</a:t>
             </a:r>
             <a:r>
               <a:rPr lang="ko-KR" altLang="en-US" sz="2200" dirty="0" smtClean="0"/>
@@ -13839,7 +13795,7 @@
         </p:blipFill>
         <p:spPr>
           <a:xfrm>
-            <a:off x="793381" y="1440872"/>
+            <a:off x="632608" y="1440872"/>
             <a:ext cx="5736727" cy="5122862"/>
           </a:xfrm>
           <a:prstGeom prst="rect">
@@ -13904,25 +13860,12 @@
               <a:buChar char="v"/>
             </a:pPr>
             <a:r>
-              <a:rPr lang="ko-KR" altLang="en-US" sz="1800" b="1" dirty="0" smtClean="0">
-                <a:latin typeface="맑은 고딕" pitchFamily="50" charset="-127"/>
-                <a:ea typeface="맑은 고딕" pitchFamily="50" charset="-127"/>
-              </a:rPr>
-              <a:t>안드로이드 프로젝트 생성 </a:t>
-            </a:r>
-            <a:endParaRPr lang="en-US" altLang="ko-KR" sz="1800" b="1" dirty="0" smtClean="0">
-              <a:latin typeface="맑은 고딕" pitchFamily="50" charset="-127"/>
-              <a:ea typeface="맑은 고딕" pitchFamily="50" charset="-127"/>
-            </a:endParaRPr>
-          </a:p>
-          <a:p>
-            <a:pPr marL="338138" indent="-342900">
-              <a:buFont typeface="Wingdings" pitchFamily="2" charset="2"/>
-              <a:buChar char="v"/>
-            </a:pPr>
+              <a:rPr lang="ko-KR" altLang="en-US" sz="1800" b="1" dirty="0" smtClean="0"/>
+              <a:t>화면 </a:t>
+            </a:r>
             <a:r>
               <a:rPr lang="ko-KR" altLang="en-US" sz="1800" b="1" dirty="0"/>
-              <a:t>화면 디자인 및 편집</a:t>
+              <a:t>디자인 및 편집</a:t>
             </a:r>
             <a:endParaRPr lang="en-US" altLang="ko-KR" sz="1800" b="1" dirty="0"/>
           </a:p>
@@ -14092,7 +14035,7 @@
         </p:blipFill>
         <p:spPr>
           <a:xfrm>
-            <a:off x="389281" y="2717353"/>
+            <a:off x="208410" y="2403317"/>
             <a:ext cx="5264039" cy="2688091"/>
           </a:xfrm>
           <a:prstGeom prst="rect">
@@ -14462,7 +14405,7 @@
         </p:blipFill>
         <p:spPr>
           <a:xfrm>
-            <a:off x="676497" y="1948872"/>
+            <a:off x="676496" y="1818243"/>
             <a:ext cx="6546339" cy="4480633"/>
           </a:xfrm>
           <a:prstGeom prst="rect">
@@ -15470,7 +15413,7 @@
         </p:blipFill>
         <p:spPr>
           <a:xfrm>
-            <a:off x="610082" y="1528986"/>
+            <a:off x="218196" y="1465048"/>
             <a:ext cx="6015162" cy="3144614"/>
           </a:xfrm>
           <a:prstGeom prst="rect">
@@ -15743,11 +15686,7 @@
           <a:p>
             <a:r>
               <a:rPr lang="ko-KR" altLang="en-US" dirty="0" smtClean="0"/>
-              <a:t>파일 </a:t>
-            </a:r>
-            <a:r>
-              <a:rPr lang="ko-KR" altLang="en-US" dirty="0" smtClean="0"/>
-              <a:t>처리 기본 ▶</a:t>
+              <a:t>파일 처리 기본 ▶</a:t>
             </a:r>
             <a:r>
               <a:rPr lang="ko-KR" altLang="en-US" sz="2400" dirty="0" smtClean="0"/>
@@ -15904,11 +15843,7 @@
           <a:p>
             <a:r>
               <a:rPr lang="ko-KR" altLang="en-US" dirty="0" smtClean="0"/>
-              <a:t>파일 </a:t>
-            </a:r>
-            <a:r>
-              <a:rPr lang="ko-KR" altLang="en-US" dirty="0" smtClean="0"/>
-              <a:t>처리 기본 ▶</a:t>
+              <a:t>파일 처리 기본 ▶</a:t>
             </a:r>
             <a:r>
               <a:rPr lang="ko-KR" altLang="en-US" sz="2400" dirty="0" smtClean="0"/>
@@ -18301,7 +18236,7 @@
   <a:extraClrSchemeLst/>
   <a:extLst>
     <a:ext uri="{05A4C25C-085E-4340-85A3-A5531E510DB2}">
-      <thm15:themeFamily xmlns:thm15="http://schemas.microsoft.com/office/thememl/2012/main" name="Office Theme" id="{62F939B6-93AF-4DB8-9C6B-D6C7DFDC589F}" vid="{4A3C46E8-61CC-4603-A589-7422A47A8E4A}"/>
+      <thm15:themeFamily xmlns:thm15="http://schemas.microsoft.com/office/thememl/2012/main" xmlns="" name="Office Theme" id="{62F939B6-93AF-4DB8-9C6B-D6C7DFDC589F}" vid="{4A3C46E8-61CC-4603-A589-7422A47A8E4A}"/>
     </a:ext>
   </a:extLst>
 </a:theme>
@@ -18562,7 +18497,7 @@
   <a:extraClrSchemeLst/>
   <a:extLst>
     <a:ext uri="{05A4C25C-085E-4340-85A3-A5531E510DB2}">
-      <thm15:themeFamily xmlns:thm15="http://schemas.microsoft.com/office/thememl/2012/main" name="Office Theme" id="{62F939B6-93AF-4DB8-9C6B-D6C7DFDC589F}" vid="{4A3C46E8-61CC-4603-A589-7422A47A8E4A}"/>
+      <thm15:themeFamily xmlns:thm15="http://schemas.microsoft.com/office/thememl/2012/main" xmlns="" name="Office Theme" id="{62F939B6-93AF-4DB8-9C6B-D6C7DFDC589F}" vid="{4A3C46E8-61CC-4603-A589-7422A47A8E4A}"/>
     </a:ext>
   </a:extLst>
 </a:theme>
